--- a/深度學習課程5-1(期中報告).pptx
+++ b/深度學習課程5-1(期中報告).pptx
@@ -21,8 +21,12 @@
     <p:sldId id="263" r:id="rId15"/>
     <p:sldId id="268" r:id="rId16"/>
     <p:sldId id="274" r:id="rId17"/>
-    <p:sldId id="277" r:id="rId18"/>
-    <p:sldId id="271" r:id="rId19"/>
+    <p:sldId id="280" r:id="rId18"/>
+    <p:sldId id="281" r:id="rId19"/>
+    <p:sldId id="283" r:id="rId20"/>
+    <p:sldId id="284" r:id="rId21"/>
+    <p:sldId id="277" r:id="rId22"/>
+    <p:sldId id="271" r:id="rId23"/>
   </p:sldIdLst>
   <p:sldSz cx="12192000" cy="6858000"/>
   <p:notesSz cx="6858000" cy="9144000"/>
@@ -12519,7 +12523,7 @@
                   <a:schemeClr val="tx1"/>
                 </a:solidFill>
               </a:rPr>
-              <a:t>中報告</a:t>
+              <a:t>中報告 我就信你</a:t>
             </a:r>
             <a:endParaRPr lang="zh-TW" altLang="en-US" sz="2800" dirty="0">
               <a:solidFill>
@@ -13074,7 +13078,7 @@
         </p:blipFill>
         <p:spPr>
           <a:xfrm>
-            <a:off x="5608155" y="2120092"/>
+            <a:off x="5703046" y="2488245"/>
             <a:ext cx="4319564" cy="3541712"/>
           </a:xfrm>
           <a:prstGeom prst="rect">
@@ -13375,11 +13379,7 @@
           <a:p>
             <a:r>
               <a:rPr lang="zh-TW" altLang="en-US" sz="2800" dirty="0" smtClean="0"/>
-              <a:t>強分類</a:t>
-            </a:r>
-            <a:r>
-              <a:rPr lang="zh-TW" altLang="en-US" sz="2800" dirty="0" smtClean="0"/>
-              <a:t>器 </a:t>
+              <a:t>強分類器 </a:t>
             </a:r>
             <a:r>
               <a:rPr lang="en-US" altLang="zh-TW" sz="2800" dirty="0" err="1" smtClean="0"/>
@@ -15627,6 +15627,820 @@
 </file>
 
 <file path=ppt/slides/slide17.xml><?xml version="1.0" encoding="utf-8"?>
+<p:sld xmlns:a="http://schemas.openxmlformats.org/drawingml/2006/main" xmlns:r="http://schemas.openxmlformats.org/officeDocument/2006/relationships" xmlns:p="http://schemas.openxmlformats.org/presentationml/2006/main">
+  <p:cSld>
+    <p:spTree>
+      <p:nvGrpSpPr>
+        <p:cNvPr id="1" name=""/>
+        <p:cNvGrpSpPr/>
+        <p:nvPr/>
+      </p:nvGrpSpPr>
+      <p:grpSpPr>
+        <a:xfrm>
+          <a:off x="0" y="0"/>
+          <a:ext cx="0" cy="0"/>
+          <a:chOff x="0" y="0"/>
+          <a:chExt cx="0" cy="0"/>
+        </a:xfrm>
+      </p:grpSpPr>
+      <p:sp>
+        <p:nvSpPr>
+          <p:cNvPr id="2" name="標題 1"/>
+          <p:cNvSpPr>
+            <a:spLocks noGrp="1"/>
+          </p:cNvSpPr>
+          <p:nvPr>
+            <p:ph type="title"/>
+          </p:nvPr>
+        </p:nvSpPr>
+        <p:spPr>
+          <a:xfrm>
+            <a:off x="1141413" y="618518"/>
+            <a:ext cx="5216255" cy="727203"/>
+          </a:xfrm>
+        </p:spPr>
+        <p:txBody>
+          <a:bodyPr>
+            <a:normAutofit fontScale="90000"/>
+          </a:bodyPr>
+          <a:lstStyle/>
+          <a:p>
+            <a:r>
+              <a:rPr lang="zh-TW" altLang="en-US" dirty="0" smtClean="0"/>
+              <a:t>人臉辨識 </a:t>
+            </a:r>
+            <a:r>
+              <a:rPr lang="en-US" altLang="zh-TW" dirty="0" smtClean="0"/>
+              <a:t>LBP</a:t>
+            </a:r>
+            <a:r>
+              <a:rPr lang="zh-TW" altLang="en-US" dirty="0" smtClean="0"/>
+              <a:t> </a:t>
+            </a:r>
+            <a:r>
+              <a:rPr lang="en-US" altLang="zh-TW" dirty="0" smtClean="0"/>
+              <a:t>_</a:t>
+            </a:r>
+            <a:r>
+              <a:rPr lang="zh-TW" altLang="en-US" dirty="0" smtClean="0"/>
+              <a:t> 五官位置</a:t>
+            </a:r>
+            <a:endParaRPr lang="zh-TW" altLang="en-US" dirty="0"/>
+          </a:p>
+        </p:txBody>
+      </p:sp>
+      <p:pic>
+        <p:nvPicPr>
+          <p:cNvPr id="4" name="圖片 3"/>
+          <p:cNvPicPr>
+            <a:picLocks noChangeAspect="1"/>
+          </p:cNvPicPr>
+          <p:nvPr/>
+        </p:nvPicPr>
+        <p:blipFill>
+          <a:blip r:embed="rId2"/>
+          <a:stretch>
+            <a:fillRect/>
+          </a:stretch>
+        </p:blipFill>
+        <p:spPr>
+          <a:xfrm>
+            <a:off x="1545140" y="4893882"/>
+            <a:ext cx="3919297" cy="1524171"/>
+          </a:xfrm>
+          <a:prstGeom prst="rect">
+            <a:avLst/>
+          </a:prstGeom>
+        </p:spPr>
+      </p:pic>
+      <p:pic>
+        <p:nvPicPr>
+          <p:cNvPr id="5" name="圖片 4"/>
+          <p:cNvPicPr>
+            <a:picLocks noChangeAspect="1"/>
+          </p:cNvPicPr>
+          <p:nvPr/>
+        </p:nvPicPr>
+        <p:blipFill>
+          <a:blip r:embed="rId3"/>
+          <a:stretch>
+            <a:fillRect/>
+          </a:stretch>
+        </p:blipFill>
+        <p:spPr>
+          <a:xfrm>
+            <a:off x="1381238" y="1448969"/>
+            <a:ext cx="6712182" cy="1210394"/>
+          </a:xfrm>
+          <a:prstGeom prst="rect">
+            <a:avLst/>
+          </a:prstGeom>
+        </p:spPr>
+      </p:pic>
+      <p:pic>
+        <p:nvPicPr>
+          <p:cNvPr id="7" name="圖片 6"/>
+          <p:cNvPicPr>
+            <a:picLocks noChangeAspect="1"/>
+          </p:cNvPicPr>
+          <p:nvPr/>
+        </p:nvPicPr>
+        <p:blipFill>
+          <a:blip r:embed="rId4"/>
+          <a:stretch>
+            <a:fillRect/>
+          </a:stretch>
+        </p:blipFill>
+        <p:spPr>
+          <a:xfrm>
+            <a:off x="1381238" y="2910353"/>
+            <a:ext cx="4159970" cy="1396561"/>
+          </a:xfrm>
+          <a:prstGeom prst="rect">
+            <a:avLst/>
+          </a:prstGeom>
+        </p:spPr>
+      </p:pic>
+      <p:sp>
+        <p:nvSpPr>
+          <p:cNvPr id="8" name="矩形 7"/>
+          <p:cNvSpPr/>
+          <p:nvPr/>
+        </p:nvSpPr>
+        <p:spPr>
+          <a:xfrm>
+            <a:off x="1381238" y="4524550"/>
+            <a:ext cx="5104282" cy="369332"/>
+          </a:xfrm>
+          <a:prstGeom prst="rect">
+            <a:avLst/>
+          </a:prstGeom>
+        </p:spPr>
+        <p:txBody>
+          <a:bodyPr wrap="none">
+            <a:spAutoFit/>
+          </a:bodyPr>
+          <a:lstStyle/>
+          <a:p>
+            <a:r>
+              <a:rPr lang="zh-TW" altLang="en-US" dirty="0"/>
+              <a:t>人臉辨識 </a:t>
+            </a:r>
+            <a:r>
+              <a:rPr lang="en-US" altLang="zh-TW" dirty="0"/>
+              <a:t>LBP</a:t>
+            </a:r>
+            <a:r>
+              <a:rPr lang="zh-TW" altLang="en-US" dirty="0"/>
+              <a:t> </a:t>
+            </a:r>
+            <a:r>
+              <a:rPr lang="en-US" altLang="zh-TW" dirty="0"/>
+              <a:t>_</a:t>
+            </a:r>
+            <a:r>
+              <a:rPr lang="zh-TW" altLang="en-US" dirty="0"/>
+              <a:t> 五官</a:t>
+            </a:r>
+            <a:r>
+              <a:rPr lang="zh-TW" altLang="en-US" dirty="0" smtClean="0"/>
+              <a:t>位置</a:t>
+            </a:r>
+            <a:r>
+              <a:rPr lang="en-US" altLang="zh-TW" dirty="0" smtClean="0"/>
+              <a:t>3</a:t>
+            </a:r>
+            <a:r>
+              <a:rPr lang="zh-TW" altLang="en-US" dirty="0" smtClean="0"/>
+              <a:t>*</a:t>
+            </a:r>
+            <a:r>
+              <a:rPr lang="en-US" altLang="zh-TW" dirty="0" smtClean="0"/>
+              <a:t>3</a:t>
+            </a:r>
+            <a:r>
+              <a:rPr lang="zh-TW" altLang="en-US" dirty="0" smtClean="0"/>
+              <a:t> </a:t>
+            </a:r>
+            <a:r>
+              <a:rPr lang="en-US" altLang="zh-TW" dirty="0" smtClean="0"/>
+              <a:t>5</a:t>
+            </a:r>
+            <a:r>
+              <a:rPr lang="zh-TW" altLang="en-US" dirty="0" smtClean="0"/>
+              <a:t>*</a:t>
+            </a:r>
+            <a:r>
+              <a:rPr lang="en-US" altLang="zh-TW" dirty="0" smtClean="0"/>
+              <a:t>5</a:t>
+            </a:r>
+            <a:r>
+              <a:rPr lang="zh-TW" altLang="en-US" dirty="0" smtClean="0"/>
+              <a:t> </a:t>
+            </a:r>
+            <a:r>
+              <a:rPr lang="en-US" altLang="zh-TW" dirty="0" smtClean="0"/>
+              <a:t>7</a:t>
+            </a:r>
+            <a:r>
+              <a:rPr lang="zh-TW" altLang="en-US" dirty="0" smtClean="0"/>
+              <a:t>*</a:t>
+            </a:r>
+            <a:r>
+              <a:rPr lang="en-US" altLang="zh-TW" dirty="0" smtClean="0"/>
+              <a:t>7</a:t>
+            </a:r>
+            <a:r>
+              <a:rPr lang="zh-TW" altLang="en-US" dirty="0" smtClean="0"/>
+              <a:t> 可以辨識</a:t>
+            </a:r>
+            <a:endParaRPr lang="zh-TW" altLang="en-US" dirty="0"/>
+          </a:p>
+        </p:txBody>
+      </p:sp>
+    </p:spTree>
+    <p:extLst>
+      <p:ext uri="{BB962C8B-B14F-4D97-AF65-F5344CB8AC3E}">
+        <p14:creationId xmlns:p14="http://schemas.microsoft.com/office/powerpoint/2010/main" val="1216348574"/>
+      </p:ext>
+    </p:extLst>
+  </p:cSld>
+  <p:clrMapOvr>
+    <a:masterClrMapping/>
+  </p:clrMapOvr>
+</p:sld>
+</file>
+
+<file path=ppt/slides/slide18.xml><?xml version="1.0" encoding="utf-8"?>
+<p:sld xmlns:a="http://schemas.openxmlformats.org/drawingml/2006/main" xmlns:r="http://schemas.openxmlformats.org/officeDocument/2006/relationships" xmlns:p="http://schemas.openxmlformats.org/presentationml/2006/main">
+  <p:cSld>
+    <p:spTree>
+      <p:nvGrpSpPr>
+        <p:cNvPr id="1" name=""/>
+        <p:cNvGrpSpPr/>
+        <p:nvPr/>
+      </p:nvGrpSpPr>
+      <p:grpSpPr>
+        <a:xfrm>
+          <a:off x="0" y="0"/>
+          <a:ext cx="0" cy="0"/>
+          <a:chOff x="0" y="0"/>
+          <a:chExt cx="0" cy="0"/>
+        </a:xfrm>
+      </p:grpSpPr>
+      <p:sp>
+        <p:nvSpPr>
+          <p:cNvPr id="3" name="內容版面配置區 2"/>
+          <p:cNvSpPr>
+            <a:spLocks noGrp="1"/>
+          </p:cNvSpPr>
+          <p:nvPr>
+            <p:ph idx="1"/>
+          </p:nvPr>
+        </p:nvSpPr>
+        <p:spPr>
+          <a:xfrm>
+            <a:off x="631525" y="698740"/>
+            <a:ext cx="7097743" cy="1216324"/>
+          </a:xfrm>
+        </p:spPr>
+        <p:txBody>
+          <a:bodyPr>
+            <a:normAutofit fontScale="85000" lnSpcReduction="10000"/>
+          </a:bodyPr>
+          <a:lstStyle/>
+          <a:p>
+            <a:r>
+              <a:rPr lang="en-US" altLang="zh-TW" dirty="0" smtClean="0"/>
+              <a:t>LBP</a:t>
+            </a:r>
+            <a:r>
+              <a:rPr lang="zh-TW" altLang="en-US" dirty="0" smtClean="0"/>
+              <a:t> 演算法 </a:t>
+            </a:r>
+            <a:r>
+              <a:rPr lang="en-US" altLang="zh-TW" dirty="0" smtClean="0"/>
+              <a:t>_</a:t>
+            </a:r>
+            <a:r>
+              <a:rPr lang="zh-TW" altLang="en-US" dirty="0" smtClean="0"/>
+              <a:t> 講解分析</a:t>
+            </a:r>
+            <a:endParaRPr lang="en-US" altLang="zh-TW" dirty="0" smtClean="0"/>
+          </a:p>
+          <a:p>
+            <a:r>
+              <a:rPr lang="en-US" altLang="zh-TW" b="1" dirty="0">
+                <a:hlinkClick r:id="rId2"/>
+              </a:rPr>
+              <a:t>https://www.youtube.com/watch?v=wpAwdsubl1w</a:t>
+            </a:r>
+            <a:endParaRPr lang="en-US" altLang="zh-TW" b="1" dirty="0"/>
+          </a:p>
+          <a:p>
+            <a:endParaRPr lang="zh-TW" altLang="en-US" dirty="0"/>
+          </a:p>
+        </p:txBody>
+      </p:sp>
+      <p:pic>
+        <p:nvPicPr>
+          <p:cNvPr id="5" name="圖片 4"/>
+          <p:cNvPicPr>
+            <a:picLocks noChangeAspect="1"/>
+          </p:cNvPicPr>
+          <p:nvPr/>
+        </p:nvPicPr>
+        <p:blipFill>
+          <a:blip r:embed="rId3"/>
+          <a:stretch>
+            <a:fillRect/>
+          </a:stretch>
+        </p:blipFill>
+        <p:spPr>
+          <a:xfrm>
+            <a:off x="829932" y="1721600"/>
+            <a:ext cx="2922559" cy="1858521"/>
+          </a:xfrm>
+          <a:prstGeom prst="rect">
+            <a:avLst/>
+          </a:prstGeom>
+        </p:spPr>
+      </p:pic>
+      <p:pic>
+        <p:nvPicPr>
+          <p:cNvPr id="6" name="圖片 5"/>
+          <p:cNvPicPr>
+            <a:picLocks noChangeAspect="1"/>
+          </p:cNvPicPr>
+          <p:nvPr/>
+        </p:nvPicPr>
+        <p:blipFill>
+          <a:blip r:embed="rId4"/>
+          <a:stretch>
+            <a:fillRect/>
+          </a:stretch>
+        </p:blipFill>
+        <p:spPr>
+          <a:xfrm>
+            <a:off x="5181600" y="1915064"/>
+            <a:ext cx="3657600" cy="3705225"/>
+          </a:xfrm>
+          <a:prstGeom prst="rect">
+            <a:avLst/>
+          </a:prstGeom>
+        </p:spPr>
+      </p:pic>
+      <p:pic>
+        <p:nvPicPr>
+          <p:cNvPr id="7" name="圖片 6"/>
+          <p:cNvPicPr>
+            <a:picLocks noChangeAspect="1"/>
+          </p:cNvPicPr>
+          <p:nvPr/>
+        </p:nvPicPr>
+        <p:blipFill>
+          <a:blip r:embed="rId5"/>
+          <a:stretch>
+            <a:fillRect/>
+          </a:stretch>
+        </p:blipFill>
+        <p:spPr>
+          <a:xfrm>
+            <a:off x="1546196" y="3706893"/>
+            <a:ext cx="2974046" cy="2939531"/>
+          </a:xfrm>
+          <a:prstGeom prst="rect">
+            <a:avLst/>
+          </a:prstGeom>
+        </p:spPr>
+      </p:pic>
+    </p:spTree>
+    <p:extLst>
+      <p:ext uri="{BB962C8B-B14F-4D97-AF65-F5344CB8AC3E}">
+        <p14:creationId xmlns:p14="http://schemas.microsoft.com/office/powerpoint/2010/main" val="822313094"/>
+      </p:ext>
+    </p:extLst>
+  </p:cSld>
+  <p:clrMapOvr>
+    <a:masterClrMapping/>
+  </p:clrMapOvr>
+</p:sld>
+</file>
+
+<file path=ppt/slides/slide19.xml><?xml version="1.0" encoding="utf-8"?>
+<p:sld xmlns:a="http://schemas.openxmlformats.org/drawingml/2006/main" xmlns:r="http://schemas.openxmlformats.org/officeDocument/2006/relationships" xmlns:p="http://schemas.openxmlformats.org/presentationml/2006/main">
+  <p:cSld>
+    <p:spTree>
+      <p:nvGrpSpPr>
+        <p:cNvPr id="1" name=""/>
+        <p:cNvGrpSpPr/>
+        <p:nvPr/>
+      </p:nvGrpSpPr>
+      <p:grpSpPr>
+        <a:xfrm>
+          <a:off x="0" y="0"/>
+          <a:ext cx="0" cy="0"/>
+          <a:chOff x="0" y="0"/>
+          <a:chExt cx="0" cy="0"/>
+        </a:xfrm>
+      </p:grpSpPr>
+      <p:pic>
+        <p:nvPicPr>
+          <p:cNvPr id="4" name="圖片 3"/>
+          <p:cNvPicPr>
+            <a:picLocks noChangeAspect="1"/>
+          </p:cNvPicPr>
+          <p:nvPr/>
+        </p:nvPicPr>
+        <p:blipFill>
+          <a:blip r:embed="rId2"/>
+          <a:stretch>
+            <a:fillRect/>
+          </a:stretch>
+        </p:blipFill>
+        <p:spPr>
+          <a:xfrm>
+            <a:off x="1192856" y="2001329"/>
+            <a:ext cx="7076896" cy="3603440"/>
+          </a:xfrm>
+          <a:prstGeom prst="rect">
+            <a:avLst/>
+          </a:prstGeom>
+        </p:spPr>
+      </p:pic>
+      <p:pic>
+        <p:nvPicPr>
+          <p:cNvPr id="5" name="圖片 4"/>
+          <p:cNvPicPr>
+            <a:picLocks noChangeAspect="1"/>
+          </p:cNvPicPr>
+          <p:nvPr/>
+        </p:nvPicPr>
+        <p:blipFill>
+          <a:blip r:embed="rId3"/>
+          <a:stretch>
+            <a:fillRect/>
+          </a:stretch>
+        </p:blipFill>
+        <p:spPr>
+          <a:xfrm>
+            <a:off x="8474106" y="1120142"/>
+            <a:ext cx="2541828" cy="2612653"/>
+          </a:xfrm>
+          <a:prstGeom prst="rect">
+            <a:avLst/>
+          </a:prstGeom>
+        </p:spPr>
+      </p:pic>
+      <p:sp>
+        <p:nvSpPr>
+          <p:cNvPr id="6" name="標題 1"/>
+          <p:cNvSpPr>
+            <a:spLocks noGrp="1"/>
+          </p:cNvSpPr>
+          <p:nvPr>
+            <p:ph type="title"/>
+          </p:nvPr>
+        </p:nvSpPr>
+        <p:spPr>
+          <a:xfrm>
+            <a:off x="1192856" y="791046"/>
+            <a:ext cx="6518844" cy="899731"/>
+          </a:xfrm>
+        </p:spPr>
+        <p:txBody>
+          <a:bodyPr>
+            <a:normAutofit fontScale="90000"/>
+          </a:bodyPr>
+          <a:lstStyle/>
+          <a:p>
+            <a:r>
+              <a:rPr lang="zh-TW" altLang="en-US" sz="2400" dirty="0" smtClean="0"/>
+              <a:t>雙向線性插植 程式碼部分</a:t>
+            </a:r>
+            <a:r>
+              <a:rPr lang="en-US" altLang="zh-TW" sz="2400" dirty="0" smtClean="0"/>
+              <a:t/>
+            </a:r>
+            <a:br>
+              <a:rPr lang="en-US" altLang="zh-TW" sz="2400" dirty="0" smtClean="0"/>
+            </a:br>
+            <a:r>
+              <a:rPr lang="en-US" altLang="zh-TW" sz="1800" dirty="0">
+                <a:hlinkClick r:id="rId4"/>
+              </a:rPr>
+              <a:t>https://chtseng.wordpress.com/2016/11/17/scikit-learn-%E5%B1%80%E9%83%A8%E4%BA%8C%E5%80%BC%E6%A8%A1%E5%BC%8F/</a:t>
+            </a:r>
+            <a:endParaRPr lang="zh-TW" altLang="en-US" sz="1800" dirty="0"/>
+          </a:p>
+        </p:txBody>
+      </p:sp>
+      <p:sp>
+        <p:nvSpPr>
+          <p:cNvPr id="7" name="矩形 6"/>
+          <p:cNvSpPr/>
+          <p:nvPr/>
+        </p:nvSpPr>
+        <p:spPr>
+          <a:xfrm>
+            <a:off x="4731304" y="474453"/>
+            <a:ext cx="3161866" cy="396815"/>
+          </a:xfrm>
+          <a:prstGeom prst="rect">
+            <a:avLst/>
+          </a:prstGeom>
+        </p:spPr>
+        <p:style>
+          <a:lnRef idx="2">
+            <a:schemeClr val="accent1">
+              <a:shade val="50000"/>
+            </a:schemeClr>
+          </a:lnRef>
+          <a:fillRef idx="1">
+            <a:schemeClr val="accent1"/>
+          </a:fillRef>
+          <a:effectRef idx="0">
+            <a:schemeClr val="accent1"/>
+          </a:effectRef>
+          <a:fontRef idx="minor">
+            <a:schemeClr val="lt1"/>
+          </a:fontRef>
+        </p:style>
+        <p:txBody>
+          <a:bodyPr rtlCol="0" anchor="ctr"/>
+          <a:lstStyle/>
+          <a:p>
+            <a:pPr algn="ctr"/>
+            <a:r>
+              <a:rPr lang="zh-TW" altLang="en-US" dirty="0" smtClean="0"/>
+              <a:t>記得沒錯的 電磁學上有提到</a:t>
+            </a:r>
+            <a:endParaRPr lang="zh-TW" altLang="en-US" dirty="0"/>
+          </a:p>
+        </p:txBody>
+      </p:sp>
+    </p:spTree>
+    <p:extLst>
+      <p:ext uri="{BB962C8B-B14F-4D97-AF65-F5344CB8AC3E}">
+        <p14:creationId xmlns:p14="http://schemas.microsoft.com/office/powerpoint/2010/main" val="538984256"/>
+      </p:ext>
+    </p:extLst>
+  </p:cSld>
+  <p:clrMapOvr>
+    <a:masterClrMapping/>
+  </p:clrMapOvr>
+</p:sld>
+</file>
+
+<file path=ppt/slides/slide2.xml><?xml version="1.0" encoding="utf-8"?>
+<p:sld xmlns:a="http://schemas.openxmlformats.org/drawingml/2006/main" xmlns:r="http://schemas.openxmlformats.org/officeDocument/2006/relationships" xmlns:p="http://schemas.openxmlformats.org/presentationml/2006/main">
+  <p:cSld>
+    <p:spTree>
+      <p:nvGrpSpPr>
+        <p:cNvPr id="1" name=""/>
+        <p:cNvGrpSpPr/>
+        <p:nvPr/>
+      </p:nvGrpSpPr>
+      <p:grpSpPr>
+        <a:xfrm>
+          <a:off x="0" y="0"/>
+          <a:ext cx="0" cy="0"/>
+          <a:chOff x="0" y="0"/>
+          <a:chExt cx="0" cy="0"/>
+        </a:xfrm>
+      </p:grpSpPr>
+      <p:pic>
+        <p:nvPicPr>
+          <p:cNvPr id="4" name="圖片 3"/>
+          <p:cNvPicPr>
+            <a:picLocks noChangeAspect="1"/>
+          </p:cNvPicPr>
+          <p:nvPr/>
+        </p:nvPicPr>
+        <p:blipFill>
+          <a:blip r:embed="rId2"/>
+          <a:stretch>
+            <a:fillRect/>
+          </a:stretch>
+        </p:blipFill>
+        <p:spPr>
+          <a:xfrm>
+            <a:off x="1223766" y="1625877"/>
+            <a:ext cx="9522790" cy="3484138"/>
+          </a:xfrm>
+          <a:prstGeom prst="rect">
+            <a:avLst/>
+          </a:prstGeom>
+        </p:spPr>
+      </p:pic>
+      <p:sp>
+        <p:nvSpPr>
+          <p:cNvPr id="11" name="文字方塊 10"/>
+          <p:cNvSpPr txBox="1"/>
+          <p:nvPr/>
+        </p:nvSpPr>
+        <p:spPr>
+          <a:xfrm>
+            <a:off x="1223766" y="4006392"/>
+            <a:ext cx="2782626" cy="424206"/>
+          </a:xfrm>
+          <a:prstGeom prst="rect">
+            <a:avLst/>
+          </a:prstGeom>
+          <a:noFill/>
+          <a:ln>
+            <a:solidFill>
+              <a:schemeClr val="accent3"/>
+            </a:solidFill>
+          </a:ln>
+        </p:spPr>
+        <p:txBody>
+          <a:bodyPr wrap="square" rtlCol="0">
+            <a:spAutoFit/>
+          </a:bodyPr>
+          <a:lstStyle/>
+          <a:p>
+            <a:endParaRPr lang="zh-TW" altLang="en-US" dirty="0"/>
+          </a:p>
+        </p:txBody>
+      </p:sp>
+      <p:sp>
+        <p:nvSpPr>
+          <p:cNvPr id="12" name="文字方塊 11"/>
+          <p:cNvSpPr txBox="1"/>
+          <p:nvPr/>
+        </p:nvSpPr>
+        <p:spPr>
+          <a:xfrm>
+            <a:off x="1223766" y="1065229"/>
+            <a:ext cx="4421171" cy="369332"/>
+          </a:xfrm>
+          <a:prstGeom prst="rect">
+            <a:avLst/>
+          </a:prstGeom>
+          <a:noFill/>
+        </p:spPr>
+        <p:txBody>
+          <a:bodyPr wrap="square" rtlCol="0">
+            <a:spAutoFit/>
+          </a:bodyPr>
+          <a:lstStyle/>
+          <a:p>
+            <a:r>
+              <a:rPr lang="en-US" altLang="zh-TW" dirty="0" smtClean="0"/>
+              <a:t>Open CV </a:t>
+            </a:r>
+            <a:r>
+              <a:rPr lang="zh-TW" altLang="en-US" dirty="0" smtClean="0"/>
+              <a:t>官網下載 </a:t>
+            </a:r>
+            <a:r>
+              <a:rPr lang="zh-TW" altLang="en-US" dirty="0"/>
+              <a:t> </a:t>
+            </a:r>
+          </a:p>
+        </p:txBody>
+      </p:sp>
+    </p:spTree>
+    <p:extLst>
+      <p:ext uri="{BB962C8B-B14F-4D97-AF65-F5344CB8AC3E}">
+        <p14:creationId xmlns:p14="http://schemas.microsoft.com/office/powerpoint/2010/main" val="1797286034"/>
+      </p:ext>
+    </p:extLst>
+  </p:cSld>
+  <p:clrMapOvr>
+    <a:masterClrMapping/>
+  </p:clrMapOvr>
+  <p:timing>
+    <p:tnLst>
+      <p:par>
+        <p:cTn id="1" dur="indefinite" restart="never" nodeType="tmRoot"/>
+      </p:par>
+    </p:tnLst>
+  </p:timing>
+</p:sld>
+</file>
+
+<file path=ppt/slides/slide20.xml><?xml version="1.0" encoding="utf-8"?>
+<p:sld xmlns:a="http://schemas.openxmlformats.org/drawingml/2006/main" xmlns:r="http://schemas.openxmlformats.org/officeDocument/2006/relationships" xmlns:p="http://schemas.openxmlformats.org/presentationml/2006/main">
+  <p:cSld>
+    <p:spTree>
+      <p:nvGrpSpPr>
+        <p:cNvPr id="1" name=""/>
+        <p:cNvGrpSpPr/>
+        <p:nvPr/>
+      </p:nvGrpSpPr>
+      <p:grpSpPr>
+        <a:xfrm>
+          <a:off x="0" y="0"/>
+          <a:ext cx="0" cy="0"/>
+          <a:chOff x="0" y="0"/>
+          <a:chExt cx="0" cy="0"/>
+        </a:xfrm>
+      </p:grpSpPr>
+      <p:sp>
+        <p:nvSpPr>
+          <p:cNvPr id="2" name="標題 1"/>
+          <p:cNvSpPr>
+            <a:spLocks noGrp="1"/>
+          </p:cNvSpPr>
+          <p:nvPr>
+            <p:ph type="title"/>
+          </p:nvPr>
+        </p:nvSpPr>
+        <p:spPr>
+          <a:xfrm>
+            <a:off x="1141413" y="618518"/>
+            <a:ext cx="4572240" cy="709950"/>
+          </a:xfrm>
+        </p:spPr>
+        <p:txBody>
+          <a:bodyPr>
+            <a:normAutofit fontScale="90000"/>
+          </a:bodyPr>
+          <a:lstStyle/>
+          <a:p>
+            <a:r>
+              <a:rPr lang="zh-TW" altLang="en-US" dirty="0" smtClean="0"/>
+              <a:t>雙向線性公式   </a:t>
+            </a:r>
+            <a:r>
+              <a:rPr lang="en-US" altLang="zh-TW" dirty="0" smtClean="0"/>
+              <a:t/>
+            </a:r>
+            <a:br>
+              <a:rPr lang="en-US" altLang="zh-TW" dirty="0" smtClean="0"/>
+            </a:br>
+            <a:r>
+              <a:rPr lang="zh-TW" altLang="en-US" sz="2700" dirty="0" smtClean="0"/>
+              <a:t>主要還是利用比例去完成</a:t>
+            </a:r>
+            <a:endParaRPr lang="zh-TW" altLang="en-US" dirty="0"/>
+          </a:p>
+        </p:txBody>
+      </p:sp>
+      <p:pic>
+        <p:nvPicPr>
+          <p:cNvPr id="7" name="圖片 6"/>
+          <p:cNvPicPr>
+            <a:picLocks noChangeAspect="1"/>
+          </p:cNvPicPr>
+          <p:nvPr/>
+        </p:nvPicPr>
+        <p:blipFill>
+          <a:blip r:embed="rId2"/>
+          <a:stretch>
+            <a:fillRect/>
+          </a:stretch>
+        </p:blipFill>
+        <p:spPr>
+          <a:xfrm>
+            <a:off x="1141412" y="1475477"/>
+            <a:ext cx="8763000" cy="4019550"/>
+          </a:xfrm>
+          <a:prstGeom prst="rect">
+            <a:avLst/>
+          </a:prstGeom>
+        </p:spPr>
+      </p:pic>
+      <p:pic>
+        <p:nvPicPr>
+          <p:cNvPr id="5" name="圖片 4"/>
+          <p:cNvPicPr>
+            <a:picLocks noChangeAspect="1"/>
+          </p:cNvPicPr>
+          <p:nvPr/>
+        </p:nvPicPr>
+        <p:blipFill>
+          <a:blip r:embed="rId3"/>
+          <a:stretch>
+            <a:fillRect/>
+          </a:stretch>
+        </p:blipFill>
+        <p:spPr>
+          <a:xfrm>
+            <a:off x="7227122" y="1544488"/>
+            <a:ext cx="2165860" cy="2226209"/>
+          </a:xfrm>
+          <a:prstGeom prst="rect">
+            <a:avLst/>
+          </a:prstGeom>
+        </p:spPr>
+      </p:pic>
+    </p:spTree>
+    <p:extLst>
+      <p:ext uri="{BB962C8B-B14F-4D97-AF65-F5344CB8AC3E}">
+        <p14:creationId xmlns:p14="http://schemas.microsoft.com/office/powerpoint/2010/main" val="1412125898"/>
+      </p:ext>
+    </p:extLst>
+  </p:cSld>
+  <p:clrMapOvr>
+    <a:masterClrMapping/>
+  </p:clrMapOvr>
+</p:sld>
+</file>
+
+<file path=ppt/slides/slide21.xml><?xml version="1.0" encoding="utf-8"?>
 <p:sld xmlns:a="http://schemas.openxmlformats.org/drawingml/2006/main" xmlns:r="http://schemas.openxmlformats.org/officeDocument/2006/relationships" xmlns:p="http://schemas.openxmlformats.org/presentationml/2006/main">
   <p:cSld>
     <p:spTree>
@@ -16238,7 +17052,7 @@
 </p:sld>
 </file>
 
-<file path=ppt/slides/slide18.xml><?xml version="1.0" encoding="utf-8"?>
+<file path=ppt/slides/slide22.xml><?xml version="1.0" encoding="utf-8"?>
 <p:sld xmlns:a="http://schemas.openxmlformats.org/drawingml/2006/main" xmlns:r="http://schemas.openxmlformats.org/officeDocument/2006/relationships" xmlns:p="http://schemas.openxmlformats.org/presentationml/2006/main">
   <p:cSld>
     <p:spTree>
@@ -16287,7 +17101,7 @@
             </a:r>
             <a:r>
               <a:rPr lang="zh-TW" altLang="en-US" sz="2400" dirty="0" smtClean="0"/>
-              <a:t>其他我放在論文資料</a:t>
+              <a:t>其他放在論文資料</a:t>
             </a:r>
             <a:endParaRPr lang="zh-TW" altLang="en-US" sz="2400" dirty="0"/>
           </a:p>
@@ -16342,135 +17156,6 @@
   <p:clrMapOvr>
     <a:masterClrMapping/>
   </p:clrMapOvr>
-</p:sld>
-</file>
-
-<file path=ppt/slides/slide2.xml><?xml version="1.0" encoding="utf-8"?>
-<p:sld xmlns:a="http://schemas.openxmlformats.org/drawingml/2006/main" xmlns:r="http://schemas.openxmlformats.org/officeDocument/2006/relationships" xmlns:p="http://schemas.openxmlformats.org/presentationml/2006/main">
-  <p:cSld>
-    <p:spTree>
-      <p:nvGrpSpPr>
-        <p:cNvPr id="1" name=""/>
-        <p:cNvGrpSpPr/>
-        <p:nvPr/>
-      </p:nvGrpSpPr>
-      <p:grpSpPr>
-        <a:xfrm>
-          <a:off x="0" y="0"/>
-          <a:ext cx="0" cy="0"/>
-          <a:chOff x="0" y="0"/>
-          <a:chExt cx="0" cy="0"/>
-        </a:xfrm>
-      </p:grpSpPr>
-      <p:pic>
-        <p:nvPicPr>
-          <p:cNvPr id="4" name="圖片 3"/>
-          <p:cNvPicPr>
-            <a:picLocks noChangeAspect="1"/>
-          </p:cNvPicPr>
-          <p:nvPr/>
-        </p:nvPicPr>
-        <p:blipFill>
-          <a:blip r:embed="rId2"/>
-          <a:stretch>
-            <a:fillRect/>
-          </a:stretch>
-        </p:blipFill>
-        <p:spPr>
-          <a:xfrm>
-            <a:off x="1223766" y="1625877"/>
-            <a:ext cx="9522790" cy="3484138"/>
-          </a:xfrm>
-          <a:prstGeom prst="rect">
-            <a:avLst/>
-          </a:prstGeom>
-        </p:spPr>
-      </p:pic>
-      <p:sp>
-        <p:nvSpPr>
-          <p:cNvPr id="11" name="文字方塊 10"/>
-          <p:cNvSpPr txBox="1"/>
-          <p:nvPr/>
-        </p:nvSpPr>
-        <p:spPr>
-          <a:xfrm>
-            <a:off x="1223766" y="4006392"/>
-            <a:ext cx="2782626" cy="424206"/>
-          </a:xfrm>
-          <a:prstGeom prst="rect">
-            <a:avLst/>
-          </a:prstGeom>
-          <a:noFill/>
-          <a:ln>
-            <a:solidFill>
-              <a:schemeClr val="accent3"/>
-            </a:solidFill>
-          </a:ln>
-        </p:spPr>
-        <p:txBody>
-          <a:bodyPr wrap="square" rtlCol="0">
-            <a:spAutoFit/>
-          </a:bodyPr>
-          <a:lstStyle/>
-          <a:p>
-            <a:endParaRPr lang="zh-TW" altLang="en-US" dirty="0"/>
-          </a:p>
-        </p:txBody>
-      </p:sp>
-      <p:sp>
-        <p:nvSpPr>
-          <p:cNvPr id="12" name="文字方塊 11"/>
-          <p:cNvSpPr txBox="1"/>
-          <p:nvPr/>
-        </p:nvSpPr>
-        <p:spPr>
-          <a:xfrm>
-            <a:off x="1223766" y="1065229"/>
-            <a:ext cx="4421171" cy="369332"/>
-          </a:xfrm>
-          <a:prstGeom prst="rect">
-            <a:avLst/>
-          </a:prstGeom>
-          <a:noFill/>
-        </p:spPr>
-        <p:txBody>
-          <a:bodyPr wrap="square" rtlCol="0">
-            <a:spAutoFit/>
-          </a:bodyPr>
-          <a:lstStyle/>
-          <a:p>
-            <a:r>
-              <a:rPr lang="en-US" altLang="zh-TW" dirty="0" smtClean="0"/>
-              <a:t>Open CV </a:t>
-            </a:r>
-            <a:r>
-              <a:rPr lang="zh-TW" altLang="en-US" dirty="0" smtClean="0"/>
-              <a:t>官網下載 </a:t>
-            </a:r>
-            <a:r>
-              <a:rPr lang="zh-TW" altLang="en-US" dirty="0"/>
-              <a:t> </a:t>
-            </a:r>
-          </a:p>
-        </p:txBody>
-      </p:sp>
-    </p:spTree>
-    <p:extLst>
-      <p:ext uri="{BB962C8B-B14F-4D97-AF65-F5344CB8AC3E}">
-        <p14:creationId xmlns:p14="http://schemas.microsoft.com/office/powerpoint/2010/main" val="1797286034"/>
-      </p:ext>
-    </p:extLst>
-  </p:cSld>
-  <p:clrMapOvr>
-    <a:masterClrMapping/>
-  </p:clrMapOvr>
-  <p:timing>
-    <p:tnLst>
-      <p:par>
-        <p:cTn id="1" dur="indefinite" restart="never" nodeType="tmRoot"/>
-      </p:par>
-    </p:tnLst>
-  </p:timing>
 </p:sld>
 </file>
 
@@ -18228,22 +18913,7 @@
                 <a:ea typeface="新細明體" panose="02020500000000000000" pitchFamily="18" charset="-120"/>
                 <a:cs typeface="Times New Roman" panose="02020603050405020304" pitchFamily="18" charset="0"/>
               </a:rPr>
-              <a:t>上述的事情用數學式表達</a:t>
-            </a:r>
-            <a:r>
-              <a:rPr kumimoji="0" lang="zh-TW" altLang="en-US" sz="1400" b="0" i="0" u="none" strike="noStrike" cap="none" normalizeH="0" baseline="0" dirty="0" smtClean="0">
-                <a:ln>
-                  <a:noFill/>
-                </a:ln>
-                <a:solidFill>
-                  <a:srgbClr val="FFFF00"/>
-                </a:solidFill>
-                <a:effectLst/>
-                <a:latin typeface="Calibri" panose="020F0502020204030204" pitchFamily="34" charset="0"/>
-                <a:ea typeface="新細明體" panose="02020500000000000000" pitchFamily="18" charset="-120"/>
-                <a:cs typeface="Times New Roman" panose="02020603050405020304" pitchFamily="18" charset="0"/>
-              </a:rPr>
-              <a:t>如下  </a:t>
+              <a:t>上述的事情用數學式表達如下  </a:t>
             </a:r>
             <a:r>
               <a:rPr kumimoji="0" lang="zh-TW" altLang="en-US" sz="1200" b="0" i="0" u="none" strike="noStrike" cap="none" normalizeH="0" baseline="0" dirty="0" smtClean="0">
